--- a/assets/tactile_image_files/0045-beach_cross-section/0045-beach_cross-section.pptx
+++ b/assets/tactile_image_files/0045-beach_cross-section/0045-beach_cross-section.pptx
@@ -198,7 +198,7 @@
           </a:lstStyle>
           <a:p>
             <a:fld id="{DC880F74-5F87-E94E-8AEF-72C270124CC0}" type="datetimeFigureOut">
-              <a:t>7/24/20</a:t>
+              <a:t>1/8/21</a:t>
             </a:fld>
             <a:endParaRPr lang="en-US"/>
           </a:p>
@@ -603,7 +603,7 @@
           <a:p>
             <a:fld id="{E796F801-3BB8-A247-923B-F07F1B58D38A}" type="datetimeFigureOut">
               <a:rPr lang="en-US" smtClean="0"/>
-              <a:t>7/24/20</a:t>
+              <a:t>1/8/21</a:t>
             </a:fld>
             <a:endParaRPr lang="en-US"/>
           </a:p>
@@ -783,7 +783,7 @@
           <a:p>
             <a:fld id="{E796F801-3BB8-A247-923B-F07F1B58D38A}" type="datetimeFigureOut">
               <a:rPr lang="en-US" smtClean="0"/>
-              <a:t>7/24/20</a:t>
+              <a:t>1/8/21</a:t>
             </a:fld>
             <a:endParaRPr lang="en-US"/>
           </a:p>
@@ -953,7 +953,7 @@
           <a:p>
             <a:fld id="{E796F801-3BB8-A247-923B-F07F1B58D38A}" type="datetimeFigureOut">
               <a:rPr lang="en-US" smtClean="0"/>
-              <a:t>7/24/20</a:t>
+              <a:t>1/8/21</a:t>
             </a:fld>
             <a:endParaRPr lang="en-US"/>
           </a:p>
@@ -1197,7 +1197,7 @@
           <a:p>
             <a:fld id="{E796F801-3BB8-A247-923B-F07F1B58D38A}" type="datetimeFigureOut">
               <a:rPr lang="en-US" smtClean="0"/>
-              <a:t>7/24/20</a:t>
+              <a:t>1/8/21</a:t>
             </a:fld>
             <a:endParaRPr lang="en-US"/>
           </a:p>
@@ -1429,7 +1429,7 @@
           <a:p>
             <a:fld id="{E796F801-3BB8-A247-923B-F07F1B58D38A}" type="datetimeFigureOut">
               <a:rPr lang="en-US" smtClean="0"/>
-              <a:t>7/24/20</a:t>
+              <a:t>1/8/21</a:t>
             </a:fld>
             <a:endParaRPr lang="en-US"/>
           </a:p>
@@ -1796,7 +1796,7 @@
           <a:p>
             <a:fld id="{E796F801-3BB8-A247-923B-F07F1B58D38A}" type="datetimeFigureOut">
               <a:rPr lang="en-US" smtClean="0"/>
-              <a:t>7/24/20</a:t>
+              <a:t>1/8/21</a:t>
             </a:fld>
             <a:endParaRPr lang="en-US"/>
           </a:p>
@@ -1914,7 +1914,7 @@
           <a:p>
             <a:fld id="{E796F801-3BB8-A247-923B-F07F1B58D38A}" type="datetimeFigureOut">
               <a:rPr lang="en-US" smtClean="0"/>
-              <a:t>7/24/20</a:t>
+              <a:t>1/8/21</a:t>
             </a:fld>
             <a:endParaRPr lang="en-US"/>
           </a:p>
@@ -2009,7 +2009,7 @@
           <a:p>
             <a:fld id="{E796F801-3BB8-A247-923B-F07F1B58D38A}" type="datetimeFigureOut">
               <a:rPr lang="en-US" smtClean="0"/>
-              <a:t>7/24/20</a:t>
+              <a:t>1/8/21</a:t>
             </a:fld>
             <a:endParaRPr lang="en-US"/>
           </a:p>
@@ -2286,7 +2286,7 @@
           <a:p>
             <a:fld id="{E796F801-3BB8-A247-923B-F07F1B58D38A}" type="datetimeFigureOut">
               <a:rPr lang="en-US" smtClean="0"/>
-              <a:t>7/24/20</a:t>
+              <a:t>1/8/21</a:t>
             </a:fld>
             <a:endParaRPr lang="en-US"/>
           </a:p>
@@ -2543,7 +2543,7 @@
           <a:p>
             <a:fld id="{E796F801-3BB8-A247-923B-F07F1B58D38A}" type="datetimeFigureOut">
               <a:rPr lang="en-US" smtClean="0"/>
-              <a:t>7/24/20</a:t>
+              <a:t>1/8/21</a:t>
             </a:fld>
             <a:endParaRPr lang="en-US"/>
           </a:p>
@@ -2756,7 +2756,7 @@
           <a:p>
             <a:fld id="{E796F801-3BB8-A247-923B-F07F1B58D38A}" type="datetimeFigureOut">
               <a:rPr lang="en-US" smtClean="0"/>
-              <a:t>7/24/20</a:t>
+              <a:t>1/8/21</a:t>
             </a:fld>
             <a:endParaRPr lang="en-US"/>
           </a:p>
@@ -5001,6 +5001,103 @@
           </a:p>
         </p:txBody>
       </p:sp>
+      <p:sp>
+        <p:nvSpPr>
+          <p:cNvPr id="2" name="Rectangle 1">
+            <a:extLst>
+              <a:ext uri="{FF2B5EF4-FFF2-40B4-BE49-F238E27FC236}">
+                <a16:creationId xmlns:a16="http://schemas.microsoft.com/office/drawing/2014/main" id="{B282BF69-94E3-9644-82BF-CC07BF922AC8}"/>
+              </a:ext>
+            </a:extLst>
+          </p:cNvPr>
+          <p:cNvSpPr/>
+          <p:nvPr/>
+        </p:nvSpPr>
+        <p:spPr>
+          <a:xfrm>
+            <a:off x="967563" y="5901070"/>
+            <a:ext cx="744279" cy="542260"/>
+          </a:xfrm>
+          <a:prstGeom prst="rect">
+            <a:avLst/>
+          </a:prstGeom>
+          <a:pattFill prst="pct5">
+            <a:fgClr>
+              <a:schemeClr val="tx1"/>
+            </a:fgClr>
+            <a:bgClr>
+              <a:schemeClr val="bg1"/>
+            </a:bgClr>
+          </a:pattFill>
+          <a:ln w="38100">
+            <a:solidFill>
+              <a:schemeClr val="tx1"/>
+            </a:solidFill>
+          </a:ln>
+        </p:spPr>
+        <p:style>
+          <a:lnRef idx="2">
+            <a:schemeClr val="accent1">
+              <a:shade val="50000"/>
+            </a:schemeClr>
+          </a:lnRef>
+          <a:fillRef idx="1">
+            <a:schemeClr val="accent1"/>
+          </a:fillRef>
+          <a:effectRef idx="0">
+            <a:schemeClr val="accent1"/>
+          </a:effectRef>
+          <a:fontRef idx="minor">
+            <a:schemeClr val="lt1"/>
+          </a:fontRef>
+        </p:style>
+        <p:txBody>
+          <a:bodyPr rtlCol="0" anchor="ctr"/>
+          <a:lstStyle/>
+          <a:p>
+            <a:pPr algn="ctr"/>
+            <a:endParaRPr lang="en-US"/>
+          </a:p>
+        </p:txBody>
+      </p:sp>
+      <p:sp>
+        <p:nvSpPr>
+          <p:cNvPr id="40" name="TextBox 39">
+            <a:extLst>
+              <a:ext uri="{FF2B5EF4-FFF2-40B4-BE49-F238E27FC236}">
+                <a16:creationId xmlns:a16="http://schemas.microsoft.com/office/drawing/2014/main" id="{C5C5D222-6B2F-AC4B-B361-7DF01F6D4DC5}"/>
+              </a:ext>
+            </a:extLst>
+          </p:cNvPr>
+          <p:cNvSpPr txBox="1"/>
+          <p:nvPr/>
+        </p:nvSpPr>
+        <p:spPr>
+          <a:xfrm>
+            <a:off x="1814625" y="5996760"/>
+            <a:ext cx="572593" cy="307777"/>
+          </a:xfrm>
+          <a:prstGeom prst="rect">
+            <a:avLst/>
+          </a:prstGeom>
+          <a:noFill/>
+        </p:spPr>
+        <p:txBody>
+          <a:bodyPr wrap="none" rtlCol="0">
+            <a:spAutoFit/>
+          </a:bodyPr>
+          <a:lstStyle/>
+          <a:p>
+            <a:r>
+              <a:rPr lang="en-US" sz="1400">
+                <a:latin typeface="Arial" panose="020B0604020202020204" pitchFamily="34" charset="0"/>
+                <a:cs typeface="Arial" panose="020B0604020202020204" pitchFamily="34" charset="0"/>
+              </a:rPr>
+              <a:t>sand</a:t>
+            </a:r>
+          </a:p>
+        </p:txBody>
+      </p:sp>
     </p:spTree>
     <p:extLst>
       <p:ext uri="{BB962C8B-B14F-4D97-AF65-F5344CB8AC3E}">
@@ -6790,6 +6887,102 @@
           </a:p>
         </p:txBody>
       </p:sp>
+      <p:sp>
+        <p:nvSpPr>
+          <p:cNvPr id="38" name="Rectangle 37">
+            <a:extLst>
+              <a:ext uri="{FF2B5EF4-FFF2-40B4-BE49-F238E27FC236}">
+                <a16:creationId xmlns:a16="http://schemas.microsoft.com/office/drawing/2014/main" id="{9F9C7A5B-D5FD-6C42-85BB-0DDD8DB7ECAE}"/>
+              </a:ext>
+            </a:extLst>
+          </p:cNvPr>
+          <p:cNvSpPr/>
+          <p:nvPr/>
+        </p:nvSpPr>
+        <p:spPr>
+          <a:xfrm>
+            <a:off x="967563" y="5901070"/>
+            <a:ext cx="744279" cy="542260"/>
+          </a:xfrm>
+          <a:prstGeom prst="rect">
+            <a:avLst/>
+          </a:prstGeom>
+          <a:pattFill prst="pct5">
+            <a:fgClr>
+              <a:schemeClr val="tx1"/>
+            </a:fgClr>
+            <a:bgClr>
+              <a:schemeClr val="bg1"/>
+            </a:bgClr>
+          </a:pattFill>
+          <a:ln w="38100">
+            <a:solidFill>
+              <a:schemeClr val="tx1"/>
+            </a:solidFill>
+          </a:ln>
+        </p:spPr>
+        <p:style>
+          <a:lnRef idx="2">
+            <a:schemeClr val="accent1">
+              <a:shade val="50000"/>
+            </a:schemeClr>
+          </a:lnRef>
+          <a:fillRef idx="1">
+            <a:schemeClr val="accent1"/>
+          </a:fillRef>
+          <a:effectRef idx="0">
+            <a:schemeClr val="accent1"/>
+          </a:effectRef>
+          <a:fontRef idx="minor">
+            <a:schemeClr val="lt1"/>
+          </a:fontRef>
+        </p:style>
+        <p:txBody>
+          <a:bodyPr rtlCol="0" anchor="ctr"/>
+          <a:lstStyle/>
+          <a:p>
+            <a:pPr algn="ctr"/>
+            <a:endParaRPr lang="en-US"/>
+          </a:p>
+        </p:txBody>
+      </p:sp>
+      <p:sp>
+        <p:nvSpPr>
+          <p:cNvPr id="51" name="TextBox 50">
+            <a:extLst>
+              <a:ext uri="{FF2B5EF4-FFF2-40B4-BE49-F238E27FC236}">
+                <a16:creationId xmlns:a16="http://schemas.microsoft.com/office/drawing/2014/main" id="{6299F376-82B0-0F4E-8597-16B00AE2DBB9}"/>
+              </a:ext>
+            </a:extLst>
+          </p:cNvPr>
+          <p:cNvSpPr txBox="1"/>
+          <p:nvPr/>
+        </p:nvSpPr>
+        <p:spPr>
+          <a:xfrm>
+            <a:off x="1850066" y="5901068"/>
+            <a:ext cx="1075936" cy="461665"/>
+          </a:xfrm>
+          <a:prstGeom prst="rect">
+            <a:avLst/>
+          </a:prstGeom>
+          <a:noFill/>
+        </p:spPr>
+        <p:txBody>
+          <a:bodyPr wrap="none" rtlCol="0">
+            <a:spAutoFit/>
+          </a:bodyPr>
+          <a:lstStyle/>
+          <a:p>
+            <a:r>
+              <a:rPr lang="en-US" sz="2400">
+                <a:latin typeface="Swell Braille" pitchFamily="49"/>
+              </a:rPr>
+              <a:t>sand</a:t>
+            </a:r>
+          </a:p>
+        </p:txBody>
+      </p:sp>
     </p:spTree>
     <p:extLst>
       <p:ext uri="{BB962C8B-B14F-4D97-AF65-F5344CB8AC3E}">
@@ -7891,6 +8084,65 @@
           </a:fontRef>
         </p:style>
       </p:cxnSp>
+      <p:sp>
+        <p:nvSpPr>
+          <p:cNvPr id="20" name="Rectangle 19">
+            <a:extLst>
+              <a:ext uri="{FF2B5EF4-FFF2-40B4-BE49-F238E27FC236}">
+                <a16:creationId xmlns:a16="http://schemas.microsoft.com/office/drawing/2014/main" id="{88FBE6BA-0EC3-D545-9B12-B5AE76121949}"/>
+              </a:ext>
+            </a:extLst>
+          </p:cNvPr>
+          <p:cNvSpPr/>
+          <p:nvPr/>
+        </p:nvSpPr>
+        <p:spPr>
+          <a:xfrm>
+            <a:off x="967563" y="5901070"/>
+            <a:ext cx="744279" cy="542260"/>
+          </a:xfrm>
+          <a:prstGeom prst="rect">
+            <a:avLst/>
+          </a:prstGeom>
+          <a:pattFill prst="pct5">
+            <a:fgClr>
+              <a:schemeClr val="tx1"/>
+            </a:fgClr>
+            <a:bgClr>
+              <a:schemeClr val="bg1"/>
+            </a:bgClr>
+          </a:pattFill>
+          <a:ln w="38100">
+            <a:solidFill>
+              <a:schemeClr val="tx1"/>
+            </a:solidFill>
+          </a:ln>
+        </p:spPr>
+        <p:style>
+          <a:lnRef idx="2">
+            <a:schemeClr val="accent1">
+              <a:shade val="50000"/>
+            </a:schemeClr>
+          </a:lnRef>
+          <a:fillRef idx="1">
+            <a:schemeClr val="accent1"/>
+          </a:fillRef>
+          <a:effectRef idx="0">
+            <a:schemeClr val="accent1"/>
+          </a:effectRef>
+          <a:fontRef idx="minor">
+            <a:schemeClr val="lt1"/>
+          </a:fontRef>
+        </p:style>
+        <p:txBody>
+          <a:bodyPr rtlCol="0" anchor="ctr"/>
+          <a:lstStyle/>
+          <a:p>
+            <a:pPr algn="ctr"/>
+            <a:endParaRPr lang="en-US"/>
+          </a:p>
+        </p:txBody>
+      </p:sp>
     </p:spTree>
     <p:extLst>
       <p:ext uri="{BB962C8B-B14F-4D97-AF65-F5344CB8AC3E}">

--- a/assets/tactile_image_files/0045-beach_cross-section/0045-beach_cross-section.pptx
+++ b/assets/tactile_image_files/0045-beach_cross-section/0045-beach_cross-section.pptx
@@ -198,7 +198,7 @@
           </a:lstStyle>
           <a:p>
             <a:fld id="{DC880F74-5F87-E94E-8AEF-72C270124CC0}" type="datetimeFigureOut">
-              <a:t>1/8/21</a:t>
+              <a:t>7/12/21</a:t>
             </a:fld>
             <a:endParaRPr lang="en-US"/>
           </a:p>
@@ -603,7 +603,7 @@
           <a:p>
             <a:fld id="{E796F801-3BB8-A247-923B-F07F1B58D38A}" type="datetimeFigureOut">
               <a:rPr lang="en-US" smtClean="0"/>
-              <a:t>1/8/21</a:t>
+              <a:t>7/12/21</a:t>
             </a:fld>
             <a:endParaRPr lang="en-US"/>
           </a:p>
@@ -783,7 +783,7 @@
           <a:p>
             <a:fld id="{E796F801-3BB8-A247-923B-F07F1B58D38A}" type="datetimeFigureOut">
               <a:rPr lang="en-US" smtClean="0"/>
-              <a:t>1/8/21</a:t>
+              <a:t>7/12/21</a:t>
             </a:fld>
             <a:endParaRPr lang="en-US"/>
           </a:p>
@@ -953,7 +953,7 @@
           <a:p>
             <a:fld id="{E796F801-3BB8-A247-923B-F07F1B58D38A}" type="datetimeFigureOut">
               <a:rPr lang="en-US" smtClean="0"/>
-              <a:t>1/8/21</a:t>
+              <a:t>7/12/21</a:t>
             </a:fld>
             <a:endParaRPr lang="en-US"/>
           </a:p>
@@ -1197,7 +1197,7 @@
           <a:p>
             <a:fld id="{E796F801-3BB8-A247-923B-F07F1B58D38A}" type="datetimeFigureOut">
               <a:rPr lang="en-US" smtClean="0"/>
-              <a:t>1/8/21</a:t>
+              <a:t>7/12/21</a:t>
             </a:fld>
             <a:endParaRPr lang="en-US"/>
           </a:p>
@@ -1429,7 +1429,7 @@
           <a:p>
             <a:fld id="{E796F801-3BB8-A247-923B-F07F1B58D38A}" type="datetimeFigureOut">
               <a:rPr lang="en-US" smtClean="0"/>
-              <a:t>1/8/21</a:t>
+              <a:t>7/12/21</a:t>
             </a:fld>
             <a:endParaRPr lang="en-US"/>
           </a:p>
@@ -1796,7 +1796,7 @@
           <a:p>
             <a:fld id="{E796F801-3BB8-A247-923B-F07F1B58D38A}" type="datetimeFigureOut">
               <a:rPr lang="en-US" smtClean="0"/>
-              <a:t>1/8/21</a:t>
+              <a:t>7/12/21</a:t>
             </a:fld>
             <a:endParaRPr lang="en-US"/>
           </a:p>
@@ -1914,7 +1914,7 @@
           <a:p>
             <a:fld id="{E796F801-3BB8-A247-923B-F07F1B58D38A}" type="datetimeFigureOut">
               <a:rPr lang="en-US" smtClean="0"/>
-              <a:t>1/8/21</a:t>
+              <a:t>7/12/21</a:t>
             </a:fld>
             <a:endParaRPr lang="en-US"/>
           </a:p>
@@ -2009,7 +2009,7 @@
           <a:p>
             <a:fld id="{E796F801-3BB8-A247-923B-F07F1B58D38A}" type="datetimeFigureOut">
               <a:rPr lang="en-US" smtClean="0"/>
-              <a:t>1/8/21</a:t>
+              <a:t>7/12/21</a:t>
             </a:fld>
             <a:endParaRPr lang="en-US"/>
           </a:p>
@@ -2286,7 +2286,7 @@
           <a:p>
             <a:fld id="{E796F801-3BB8-A247-923B-F07F1B58D38A}" type="datetimeFigureOut">
               <a:rPr lang="en-US" smtClean="0"/>
-              <a:t>1/8/21</a:t>
+              <a:t>7/12/21</a:t>
             </a:fld>
             <a:endParaRPr lang="en-US"/>
           </a:p>
@@ -2543,7 +2543,7 @@
           <a:p>
             <a:fld id="{E796F801-3BB8-A247-923B-F07F1B58D38A}" type="datetimeFigureOut">
               <a:rPr lang="en-US" smtClean="0"/>
-              <a:t>1/8/21</a:t>
+              <a:t>7/12/21</a:t>
             </a:fld>
             <a:endParaRPr lang="en-US"/>
           </a:p>
@@ -2756,7 +2756,7 @@
           <a:p>
             <a:fld id="{E796F801-3BB8-A247-923B-F07F1B58D38A}" type="datetimeFigureOut">
               <a:rPr lang="en-US" smtClean="0"/>
-              <a:t>1/8/21</a:t>
+              <a:t>7/12/21</a:t>
             </a:fld>
             <a:endParaRPr lang="en-US"/>
           </a:p>
@@ -6961,7 +6961,7 @@
         <p:spPr>
           <a:xfrm>
             <a:off x="1850066" y="5901068"/>
-            <a:ext cx="1075936" cy="461665"/>
+            <a:ext cx="630301" cy="461665"/>
           </a:xfrm>
           <a:prstGeom prst="rect">
             <a:avLst/>
@@ -6975,10 +6975,10 @@
           <a:lstStyle/>
           <a:p>
             <a:r>
-              <a:rPr lang="en-US" sz="2400">
+              <a:rPr lang="en-US" sz="2400" dirty="0">
                 <a:latin typeface="Swell Braille" pitchFamily="49"/>
               </a:rPr>
-              <a:t>sand</a:t>
+              <a:t>s&amp;</a:t>
             </a:r>
           </a:p>
         </p:txBody>
